--- a/report/Bdms-diagrams.pptx
+++ b/report/Bdms-diagrams.pptx
@@ -11784,9 +11784,10 @@
           <a:p>
             <a:pPr algn="ctr"/>
             <a:r>
-              <a:rPr lang="en-US" sz="1200" b="1" dirty="0"/>
-              <a:t>3.2</a:t>
-            </a:r>
+              <a:rPr lang="en-US" sz="1200" b="1" dirty="0" smtClean="0"/>
+              <a:t>1.3</a:t>
+            </a:r>
+            <a:endParaRPr lang="en-US" sz="1200" b="1" dirty="0"/>
           </a:p>
         </p:txBody>
       </p:sp>
@@ -11837,9 +11838,10 @@
           <a:p>
             <a:pPr algn="ctr"/>
             <a:r>
-              <a:rPr lang="en-US" sz="1200" b="1" dirty="0"/>
-              <a:t>3.3</a:t>
-            </a:r>
+              <a:rPr lang="en-US" sz="1200" b="1" dirty="0" smtClean="0"/>
+              <a:t>1.2</a:t>
+            </a:r>
+            <a:endParaRPr lang="en-US" sz="1200" b="1" dirty="0"/>
           </a:p>
         </p:txBody>
       </p:sp>
@@ -12601,6 +12603,36 @@
               <a:rPr lang="en-US" sz="1000"/>
               <a:t>Backup Info</a:t>
             </a:r>
+          </a:p>
+        </p:txBody>
+      </p:sp>
+      <p:sp>
+        <p:nvSpPr>
+          <p:cNvPr id="27" name="TextBox 26"/>
+          <p:cNvSpPr txBox="1"/>
+          <p:nvPr/>
+        </p:nvSpPr>
+        <p:spPr>
+          <a:xfrm>
+            <a:off x="3505200" y="2819400"/>
+            <a:ext cx="609600" cy="369332"/>
+          </a:xfrm>
+          <a:prstGeom prst="rect">
+            <a:avLst/>
+          </a:prstGeom>
+          <a:noFill/>
+        </p:spPr>
+        <p:txBody>
+          <a:bodyPr wrap="square" rtlCol="0">
+            <a:spAutoFit/>
+          </a:bodyPr>
+          <a:lstStyle/>
+          <a:p>
+            <a:r>
+              <a:rPr lang="en-US" dirty="0" smtClean="0"/>
+              <a:t>1.1</a:t>
+            </a:r>
+            <a:endParaRPr lang="en-US" dirty="0"/>
           </a:p>
         </p:txBody>
       </p:sp>

--- a/report/Bdms-diagrams.pptx
+++ b/report/Bdms-diagrams.pptx
@@ -8,7 +8,7 @@
     <p:sldId id="256" r:id="rId2"/>
     <p:sldId id="258" r:id="rId3"/>
     <p:sldId id="260" r:id="rId4"/>
-    <p:sldId id="262" r:id="rId5"/>
+    <p:sldId id="263" r:id="rId5"/>
   </p:sldIdLst>
   <p:sldSz cx="9144000" cy="6858000" type="screen4x3"/>
   <p:notesSz cx="6858000" cy="9144000"/>
@@ -11739,904 +11739,1025 @@
       </p:grpSpPr>
       <p:sp>
         <p:nvSpPr>
-          <p:cNvPr id="6172" name="Oval 28"/>
-          <p:cNvSpPr>
-            <a:spLocks noChangeArrowheads="1"/>
-          </p:cNvSpPr>
-          <p:nvPr/>
-        </p:nvSpPr>
-        <p:spPr bwMode="auto">
+          <p:cNvPr id="2" name="Oval 1"/>
+          <p:cNvSpPr/>
+          <p:nvPr/>
+        </p:nvSpPr>
+        <p:spPr>
           <a:xfrm>
-            <a:off x="5067300" y="2511425"/>
-            <a:ext cx="838200" cy="838200"/>
+            <a:off x="4648200" y="2359042"/>
+            <a:ext cx="990600" cy="990600"/>
           </a:xfrm>
           <a:prstGeom prst="ellipse">
             <a:avLst/>
           </a:prstGeom>
-          <a:noFill/>
-          <a:ln w="9525">
+          <a:solidFill>
+            <a:schemeClr val="bg1"/>
+          </a:solidFill>
+          <a:ln w="6350">
             <a:solidFill>
               <a:schemeClr val="tx1"/>
             </a:solidFill>
-            <a:round/>
-            <a:headEnd/>
-            <a:tailEnd/>
           </a:ln>
-          <a:effectLst/>
-        </p:spPr>
-        <p:txBody>
-          <a:bodyPr wrap="none" anchor="ctr"/>
+        </p:spPr>
+        <p:style>
+          <a:lnRef idx="2">
+            <a:schemeClr val="accent1">
+              <a:shade val="50000"/>
+            </a:schemeClr>
+          </a:lnRef>
+          <a:fillRef idx="1">
+            <a:schemeClr val="accent1"/>
+          </a:fillRef>
+          <a:effectRef idx="0">
+            <a:schemeClr val="accent1"/>
+          </a:effectRef>
+          <a:fontRef idx="minor">
+            <a:schemeClr val="lt1"/>
+          </a:fontRef>
+        </p:style>
+        <p:txBody>
+          <a:bodyPr rtlCol="0" anchor="ctr"/>
           <a:lstStyle/>
           <a:p>
             <a:pPr algn="ctr"/>
             <a:r>
-              <a:rPr lang="en-US" sz="1200" b="1" dirty="0"/>
-              <a:t>Mobile</a:t>
+              <a:rPr lang="en-US" sz="800" dirty="0" smtClean="0">
+                <a:solidFill>
+                  <a:schemeClr val="tx1"/>
+                </a:solidFill>
+              </a:rPr>
+              <a:t>Validate</a:t>
             </a:r>
           </a:p>
           <a:p>
             <a:pPr algn="ctr"/>
             <a:r>
-              <a:rPr lang="en-US" sz="1200" b="1" dirty="0"/>
-              <a:t>Sync</a:t>
-            </a:r>
+              <a:rPr lang="en-US" sz="800" dirty="0" smtClean="0">
+                <a:solidFill>
+                  <a:schemeClr val="tx1"/>
+                </a:solidFill>
+              </a:rPr>
+              <a:t>Login</a:t>
+            </a:r>
+            <a:endParaRPr lang="en-US" sz="800" dirty="0" smtClean="0">
+              <a:solidFill>
+                <a:schemeClr val="tx1"/>
+              </a:solidFill>
+            </a:endParaRPr>
           </a:p>
           <a:p>
             <a:pPr algn="ctr"/>
-            <a:r>
-              <a:rPr lang="en-US" sz="1200" b="1" dirty="0" smtClean="0"/>
-              <a:t>1.3</a:t>
-            </a:r>
-            <a:endParaRPr lang="en-US" sz="1200" b="1" dirty="0"/>
-          </a:p>
-        </p:txBody>
-      </p:sp>
-      <p:sp>
-        <p:nvSpPr>
-          <p:cNvPr id="6173" name="Oval 29"/>
-          <p:cNvSpPr>
-            <a:spLocks noChangeArrowheads="1"/>
-          </p:cNvSpPr>
-          <p:nvPr/>
-        </p:nvSpPr>
-        <p:spPr bwMode="auto">
+            <a:endParaRPr lang="en-US" sz="1200" dirty="0">
+              <a:solidFill>
+                <a:schemeClr val="tx1"/>
+              </a:solidFill>
+            </a:endParaRPr>
+          </a:p>
+          <a:p>
+            <a:pPr algn="ctr"/>
+            <a:r>
+              <a:rPr lang="en-US" sz="1600" b="1" dirty="0" smtClean="0">
+                <a:solidFill>
+                  <a:schemeClr val="tx1"/>
+                </a:solidFill>
+              </a:rPr>
+              <a:t>3.1.1</a:t>
+            </a:r>
+            <a:endParaRPr lang="en-US" sz="1600" b="1" dirty="0">
+              <a:solidFill>
+                <a:schemeClr val="tx1"/>
+              </a:solidFill>
+            </a:endParaRPr>
+          </a:p>
+        </p:txBody>
+      </p:sp>
+      <p:sp>
+        <p:nvSpPr>
+          <p:cNvPr id="3" name="Oval 2"/>
+          <p:cNvSpPr/>
+          <p:nvPr/>
+        </p:nvSpPr>
+        <p:spPr>
           <a:xfrm>
-            <a:off x="5067300" y="3654425"/>
-            <a:ext cx="838200" cy="838200"/>
+            <a:off x="1524000" y="4419600"/>
+            <a:ext cx="1066800" cy="990600"/>
           </a:xfrm>
           <a:prstGeom prst="ellipse">
             <a:avLst/>
           </a:prstGeom>
-          <a:noFill/>
-          <a:ln w="9525">
+          <a:solidFill>
+            <a:schemeClr val="bg1"/>
+          </a:solidFill>
+          <a:ln w="6350">
             <a:solidFill>
               <a:schemeClr val="tx1"/>
             </a:solidFill>
-            <a:round/>
-            <a:headEnd/>
-            <a:tailEnd/>
           </a:ln>
-          <a:effectLst/>
-        </p:spPr>
-        <p:txBody>
-          <a:bodyPr wrap="none" anchor="ctr"/>
+        </p:spPr>
+        <p:style>
+          <a:lnRef idx="2">
+            <a:schemeClr val="accent1">
+              <a:shade val="50000"/>
+            </a:schemeClr>
+          </a:lnRef>
+          <a:fillRef idx="1">
+            <a:schemeClr val="accent1"/>
+          </a:fillRef>
+          <a:effectRef idx="0">
+            <a:schemeClr val="accent1"/>
+          </a:effectRef>
+          <a:fontRef idx="minor">
+            <a:schemeClr val="lt1"/>
+          </a:fontRef>
+        </p:style>
+        <p:txBody>
+          <a:bodyPr rtlCol="0" anchor="ctr"/>
           <a:lstStyle/>
           <a:p>
             <a:pPr algn="ctr"/>
             <a:r>
-              <a:rPr lang="en-US" sz="1200" b="1" dirty="0"/>
-              <a:t>Web</a:t>
+              <a:rPr lang="en-US" sz="800" dirty="0" smtClean="0">
+                <a:solidFill>
+                  <a:schemeClr val="tx1"/>
+                </a:solidFill>
+              </a:rPr>
+              <a:t>Update </a:t>
+            </a:r>
+            <a:r>
+              <a:rPr lang="en-US" sz="800" dirty="0">
+                <a:solidFill>
+                  <a:schemeClr val="tx1"/>
+                </a:solidFill>
+              </a:rPr>
+              <a:t> </a:t>
+            </a:r>
+            <a:r>
+              <a:rPr lang="en-US" sz="800" dirty="0" smtClean="0">
+                <a:solidFill>
+                  <a:schemeClr val="tx1"/>
+                </a:solidFill>
+              </a:rPr>
+              <a:t>Login </a:t>
+            </a:r>
+            <a:r>
+              <a:rPr lang="en-US" sz="800" dirty="0" smtClean="0">
+                <a:solidFill>
+                  <a:schemeClr val="tx1"/>
+                </a:solidFill>
+              </a:rPr>
+              <a:t> timing, user</a:t>
             </a:r>
           </a:p>
           <a:p>
             <a:pPr algn="ctr"/>
             <a:r>
-              <a:rPr lang="en-US" sz="1200" b="1" dirty="0"/>
-              <a:t>Sync</a:t>
-            </a:r>
+              <a:rPr lang="en-US" sz="800" dirty="0" smtClean="0">
+                <a:solidFill>
+                  <a:schemeClr val="tx1"/>
+                </a:solidFill>
+              </a:rPr>
+              <a:t>Record</a:t>
+            </a:r>
+            <a:endParaRPr lang="en-US" sz="800" dirty="0" smtClean="0">
+              <a:solidFill>
+                <a:schemeClr val="tx1"/>
+              </a:solidFill>
+            </a:endParaRPr>
           </a:p>
           <a:p>
             <a:pPr algn="ctr"/>
-            <a:r>
-              <a:rPr lang="en-US" sz="1200" b="1" dirty="0" smtClean="0"/>
-              <a:t>1.2</a:t>
-            </a:r>
-            <a:endParaRPr lang="en-US" sz="1200" b="1" dirty="0"/>
-          </a:p>
-        </p:txBody>
-      </p:sp>
-      <p:sp>
-        <p:nvSpPr>
-          <p:cNvPr id="6174" name="Oval 30"/>
-          <p:cNvSpPr>
-            <a:spLocks noChangeArrowheads="1"/>
-          </p:cNvSpPr>
-          <p:nvPr/>
-        </p:nvSpPr>
-        <p:spPr bwMode="auto">
+            <a:endParaRPr lang="en-US" sz="1200" dirty="0">
+              <a:solidFill>
+                <a:schemeClr val="tx1"/>
+              </a:solidFill>
+            </a:endParaRPr>
+          </a:p>
+          <a:p>
+            <a:pPr algn="ctr"/>
+            <a:r>
+              <a:rPr lang="en-US" sz="1600" b="1" dirty="0" smtClean="0">
+                <a:solidFill>
+                  <a:schemeClr val="tx1"/>
+                </a:solidFill>
+              </a:rPr>
+              <a:t>3.1.3</a:t>
+            </a:r>
+            <a:endParaRPr lang="en-US" sz="1600" b="1" dirty="0">
+              <a:solidFill>
+                <a:schemeClr val="tx1"/>
+              </a:solidFill>
+            </a:endParaRPr>
+          </a:p>
+        </p:txBody>
+      </p:sp>
+      <p:sp>
+        <p:nvSpPr>
+          <p:cNvPr id="4" name="Oval 3"/>
+          <p:cNvSpPr/>
+          <p:nvPr/>
+        </p:nvSpPr>
+        <p:spPr>
           <a:xfrm>
-            <a:off x="3086100" y="2892425"/>
-            <a:ext cx="1295400" cy="1066800"/>
+            <a:off x="3733800" y="4419600"/>
+            <a:ext cx="990600" cy="990600"/>
           </a:xfrm>
           <a:prstGeom prst="ellipse">
             <a:avLst/>
           </a:prstGeom>
-          <a:noFill/>
-          <a:ln w="12700">
+          <a:solidFill>
+            <a:schemeClr val="bg1"/>
+          </a:solidFill>
+          <a:ln w="6350">
             <a:solidFill>
               <a:schemeClr val="tx1"/>
             </a:solidFill>
-            <a:round/>
-            <a:headEnd/>
-            <a:tailEnd/>
           </a:ln>
-          <a:effectLst/>
-        </p:spPr>
-        <p:txBody>
-          <a:bodyPr wrap="none" anchor="ctr"/>
+        </p:spPr>
+        <p:style>
+          <a:lnRef idx="2">
+            <a:schemeClr val="accent1">
+              <a:shade val="50000"/>
+            </a:schemeClr>
+          </a:lnRef>
+          <a:fillRef idx="1">
+            <a:schemeClr val="accent1"/>
+          </a:fillRef>
+          <a:effectRef idx="0">
+            <a:schemeClr val="accent1"/>
+          </a:effectRef>
+          <a:fontRef idx="minor">
+            <a:schemeClr val="lt1"/>
+          </a:fontRef>
+        </p:style>
+        <p:txBody>
+          <a:bodyPr rtlCol="0" anchor="ctr"/>
           <a:lstStyle/>
           <a:p>
             <a:pPr algn="ctr"/>
             <a:r>
-              <a:rPr lang="en-US" sz="1400" dirty="0" smtClean="0"/>
-              <a:t>Blood donor </a:t>
-            </a:r>
-          </a:p>
-          <a:p>
-            <a:pPr algn="ctr"/>
-            <a:r>
-              <a:rPr lang="en-US" sz="1400" dirty="0" smtClean="0"/>
-              <a:t>management </a:t>
-            </a:r>
-          </a:p>
-          <a:p>
-            <a:pPr algn="ctr"/>
-            <a:r>
-              <a:rPr lang="en-US" sz="1400" dirty="0" smtClean="0"/>
-              <a:t>system</a:t>
-            </a:r>
-          </a:p>
-        </p:txBody>
-      </p:sp>
-      <p:grpSp>
-        <p:nvGrpSpPr>
-          <p:cNvPr id="4" name="Group 36"/>
-          <p:cNvGrpSpPr>
-            <a:grpSpLocks/>
-          </p:cNvGrpSpPr>
-          <p:nvPr/>
-        </p:nvGrpSpPr>
-        <p:grpSpPr bwMode="auto">
-          <a:xfrm>
-            <a:off x="6553200" y="3352800"/>
-            <a:ext cx="1295400" cy="381000"/>
-            <a:chOff x="336" y="384"/>
-            <a:chExt cx="816" cy="240"/>
-          </a:xfrm>
-        </p:grpSpPr>
-        <p:grpSp>
-          <p:nvGrpSpPr>
-            <p:cNvPr id="5" name="Group 37"/>
-            <p:cNvGrpSpPr>
-              <a:grpSpLocks/>
-            </p:cNvGrpSpPr>
-            <p:nvPr/>
-          </p:nvGrpSpPr>
-          <p:grpSpPr bwMode="auto">
-            <a:xfrm>
-              <a:off x="336" y="384"/>
-              <a:ext cx="816" cy="240"/>
-              <a:chOff x="336" y="384"/>
-              <a:chExt cx="816" cy="240"/>
-            </a:xfrm>
-          </p:grpSpPr>
-          <p:sp>
-            <p:nvSpPr>
-              <p:cNvPr id="6182" name="Rectangle 38"/>
-              <p:cNvSpPr>
-                <a:spLocks noChangeArrowheads="1"/>
-              </p:cNvSpPr>
-              <p:nvPr/>
-            </p:nvSpPr>
-            <p:spPr bwMode="auto">
-              <a:xfrm>
-                <a:off x="336" y="384"/>
-                <a:ext cx="816" cy="240"/>
-              </a:xfrm>
-              <a:prstGeom prst="rect">
-                <a:avLst/>
-              </a:prstGeom>
-              <a:noFill/>
-              <a:ln w="9525">
+              <a:rPr lang="en-US" sz="800" dirty="0" smtClean="0">
                 <a:solidFill>
                   <a:schemeClr val="tx1"/>
                 </a:solidFill>
-                <a:miter lim="800000"/>
-                <a:headEnd/>
-                <a:tailEnd/>
-              </a:ln>
-              <a:effectLst/>
-            </p:spPr>
-            <p:txBody>
-              <a:bodyPr wrap="none" anchor="ctr"/>
-              <a:lstStyle/>
-              <a:p>
-                <a:endParaRPr lang="en-US"/>
-              </a:p>
-            </p:txBody>
-          </p:sp>
-          <p:sp>
-            <p:nvSpPr>
-              <p:cNvPr id="6183" name="Line 39"/>
-              <p:cNvSpPr>
-                <a:spLocks noChangeShapeType="1"/>
-              </p:cNvSpPr>
-              <p:nvPr/>
-            </p:nvSpPr>
-            <p:spPr bwMode="auto">
-              <a:xfrm>
-                <a:off x="528" y="384"/>
-                <a:ext cx="0" cy="240"/>
-              </a:xfrm>
-              <a:prstGeom prst="line">
-                <a:avLst/>
-              </a:prstGeom>
-              <a:noFill/>
-              <a:ln w="9525">
+              </a:rPr>
+              <a:t>Allow Access to</a:t>
+            </a:r>
+          </a:p>
+          <a:p>
+            <a:pPr algn="ctr"/>
+            <a:r>
+              <a:rPr lang="en-US" sz="800" dirty="0" smtClean="0">
                 <a:solidFill>
                   <a:schemeClr val="tx1"/>
                 </a:solidFill>
-                <a:round/>
-                <a:headEnd/>
-                <a:tailEnd/>
-              </a:ln>
-              <a:effectLst/>
-            </p:spPr>
-            <p:txBody>
-              <a:bodyPr/>
-              <a:lstStyle/>
-              <a:p>
-                <a:endParaRPr lang="en-US"/>
-              </a:p>
-            </p:txBody>
-          </p:sp>
-        </p:grpSp>
+              </a:rPr>
+              <a:t>Features</a:t>
+            </a:r>
+            <a:endParaRPr lang="en-US" sz="800" dirty="0" smtClean="0">
+              <a:solidFill>
+                <a:schemeClr val="tx1"/>
+              </a:solidFill>
+            </a:endParaRPr>
+          </a:p>
+          <a:p>
+            <a:pPr algn="ctr"/>
+            <a:endParaRPr lang="en-US" sz="1200" dirty="0">
+              <a:solidFill>
+                <a:schemeClr val="tx1"/>
+              </a:solidFill>
+            </a:endParaRPr>
+          </a:p>
+          <a:p>
+            <a:pPr algn="ctr"/>
+            <a:r>
+              <a:rPr lang="en-US" sz="1600" b="1" dirty="0" smtClean="0">
+                <a:solidFill>
+                  <a:schemeClr val="tx1"/>
+                </a:solidFill>
+              </a:rPr>
+              <a:t>3.1.2</a:t>
+            </a:r>
+            <a:endParaRPr lang="en-US" sz="1600" b="1" dirty="0">
+              <a:solidFill>
+                <a:schemeClr val="tx1"/>
+              </a:solidFill>
+            </a:endParaRPr>
+          </a:p>
+        </p:txBody>
+      </p:sp>
+      <p:cxnSp>
+        <p:nvCxnSpPr>
+          <p:cNvPr id="6" name="Straight Arrow Connector 5"/>
+          <p:cNvCxnSpPr>
+            <a:endCxn id="2" idx="1"/>
+          </p:cNvCxnSpPr>
+          <p:nvPr/>
+        </p:nvCxnSpPr>
+        <p:spPr>
+          <a:xfrm rot="16200000" flipH="1">
+            <a:off x="4076700" y="1787542"/>
+            <a:ext cx="907070" cy="526070"/>
+          </a:xfrm>
+          <a:prstGeom prst="straightConnector1">
+            <a:avLst/>
+          </a:prstGeom>
+          <a:ln>
+            <a:tailEnd type="arrow"/>
+          </a:ln>
+        </p:spPr>
+        <p:style>
+          <a:lnRef idx="1">
+            <a:schemeClr val="dk1"/>
+          </a:lnRef>
+          <a:fillRef idx="0">
+            <a:schemeClr val="dk1"/>
+          </a:fillRef>
+          <a:effectRef idx="0">
+            <a:schemeClr val="dk1"/>
+          </a:effectRef>
+          <a:fontRef idx="minor">
+            <a:schemeClr val="tx1"/>
+          </a:fontRef>
+        </p:style>
+      </p:cxnSp>
+      <p:sp>
+        <p:nvSpPr>
+          <p:cNvPr id="7" name="TextBox 6"/>
+          <p:cNvSpPr txBox="1"/>
+          <p:nvPr/>
+        </p:nvSpPr>
+        <p:spPr>
+          <a:xfrm rot="3578673">
+            <a:off x="4257994" y="1838798"/>
+            <a:ext cx="772969" cy="215444"/>
+          </a:xfrm>
+          <a:prstGeom prst="rect">
+            <a:avLst/>
+          </a:prstGeom>
+          <a:noFill/>
+        </p:spPr>
+        <p:txBody>
+          <a:bodyPr wrap="none" rtlCol="0">
+            <a:spAutoFit/>
+          </a:bodyPr>
+          <a:lstStyle/>
+          <a:p>
+            <a:pPr lvl="0"/>
+            <a:r>
+              <a:rPr lang="en-US" sz="800" kern="0" dirty="0" smtClean="0">
+                <a:solidFill>
+                  <a:srgbClr val="262626"/>
+                </a:solidFill>
+              </a:rPr>
+              <a:t>Login </a:t>
+            </a:r>
+            <a:r>
+              <a:rPr lang="en-US" sz="800" kern="0" dirty="0" smtClean="0">
+                <a:solidFill>
+                  <a:srgbClr val="262626"/>
+                </a:solidFill>
+              </a:rPr>
+              <a:t>Request</a:t>
+            </a:r>
+            <a:endParaRPr lang="en-US" sz="800" kern="0" dirty="0">
+              <a:solidFill>
+                <a:srgbClr val="262626"/>
+              </a:solidFill>
+            </a:endParaRPr>
+          </a:p>
+        </p:txBody>
+      </p:sp>
+      <p:cxnSp>
+        <p:nvCxnSpPr>
+          <p:cNvPr id="8" name="Straight Arrow Connector 7"/>
+          <p:cNvCxnSpPr>
+            <a:stCxn id="2" idx="6"/>
+          </p:cNvCxnSpPr>
+          <p:nvPr/>
+        </p:nvCxnSpPr>
+        <p:spPr>
+          <a:xfrm>
+            <a:off x="5638800" y="2854342"/>
+            <a:ext cx="1524000" cy="1588"/>
+          </a:xfrm>
+          <a:prstGeom prst="straightConnector1">
+            <a:avLst/>
+          </a:prstGeom>
+          <a:ln>
+            <a:tailEnd type="arrow"/>
+          </a:ln>
+        </p:spPr>
+        <p:style>
+          <a:lnRef idx="1">
+            <a:schemeClr val="dk1"/>
+          </a:lnRef>
+          <a:fillRef idx="0">
+            <a:schemeClr val="dk1"/>
+          </a:fillRef>
+          <a:effectRef idx="0">
+            <a:schemeClr val="dk1"/>
+          </a:effectRef>
+          <a:fontRef idx="minor">
+            <a:schemeClr val="tx1"/>
+          </a:fontRef>
+        </p:style>
+      </p:cxnSp>
+      <p:sp>
+        <p:nvSpPr>
+          <p:cNvPr id="9" name="TextBox 8"/>
+          <p:cNvSpPr txBox="1"/>
+          <p:nvPr/>
+        </p:nvSpPr>
+        <p:spPr>
+          <a:xfrm>
+            <a:off x="5700081" y="2663842"/>
+            <a:ext cx="995785" cy="215444"/>
+          </a:xfrm>
+          <a:prstGeom prst="rect">
+            <a:avLst/>
+          </a:prstGeom>
+          <a:noFill/>
+        </p:spPr>
+        <p:txBody>
+          <a:bodyPr wrap="none" rtlCol="0">
+            <a:spAutoFit/>
+          </a:bodyPr>
+          <a:lstStyle/>
+          <a:p>
+            <a:pPr lvl="0"/>
+            <a:r>
+              <a:rPr lang="en-US" sz="800" kern="0" dirty="0" smtClean="0">
+                <a:solidFill>
+                  <a:srgbClr val="262626"/>
+                </a:solidFill>
+              </a:rPr>
+              <a:t>Query Login Details</a:t>
+            </a:r>
+            <a:endParaRPr lang="en-US" sz="800" kern="0" dirty="0">
+              <a:solidFill>
+                <a:srgbClr val="262626"/>
+              </a:solidFill>
+            </a:endParaRPr>
+          </a:p>
+        </p:txBody>
+      </p:sp>
+      <p:grpSp>
+        <p:nvGrpSpPr>
+          <p:cNvPr id="10" name="Group 15"/>
+          <p:cNvGrpSpPr/>
+          <p:nvPr/>
+        </p:nvGrpSpPr>
+        <p:grpSpPr>
+          <a:xfrm>
+            <a:off x="7162800" y="2740042"/>
+            <a:ext cx="1371600" cy="228600"/>
+            <a:chOff x="275492" y="2361935"/>
+            <a:chExt cx="1371600" cy="228603"/>
+          </a:xfrm>
+        </p:grpSpPr>
         <p:sp>
           <p:nvSpPr>
-            <p:cNvPr id="6184" name="Text Box 40"/>
-            <p:cNvSpPr txBox="1">
-              <a:spLocks noChangeArrowheads="1"/>
-            </p:cNvSpPr>
+            <p:cNvPr id="11" name="Rectangle 10"/>
+            <p:cNvSpPr/>
             <p:nvPr/>
           </p:nvSpPr>
-          <p:spPr bwMode="auto">
+          <p:spPr>
             <a:xfrm>
-              <a:off x="336" y="422"/>
-              <a:ext cx="681" cy="155"/>
+              <a:off x="275492" y="2361935"/>
+              <a:ext cx="1371600" cy="228600"/>
             </a:xfrm>
             <a:prstGeom prst="rect">
               <a:avLst/>
             </a:prstGeom>
-            <a:noFill/>
-            <a:ln w="9525">
-              <a:noFill/>
-              <a:miter lim="800000"/>
-              <a:headEnd/>
-              <a:tailEnd/>
+            <a:solidFill>
+              <a:sysClr val="window" lastClr="FFFFFF"/>
+            </a:solidFill>
+            <a:ln w="6350" cap="flat" cmpd="sng" algn="ctr">
+              <a:solidFill>
+                <a:srgbClr val="4D4D4D"/>
+              </a:solidFill>
+              <a:prstDash val="solid"/>
             </a:ln>
             <a:effectLst/>
           </p:spPr>
           <p:txBody>
-            <a:bodyPr wrap="none">
-              <a:spAutoFit/>
-            </a:bodyPr>
+            <a:bodyPr rtlCol="0" anchor="ctr"/>
             <a:lstStyle/>
             <a:p>
+              <a:pPr marL="0" marR="0" lvl="0" indent="0" defTabSz="914400" eaLnBrk="1" fontAlgn="auto" latinLnBrk="0" hangingPunct="1">
+                <a:lnSpc>
+                  <a:spcPct val="100000"/>
+                </a:lnSpc>
+                <a:spcBef>
+                  <a:spcPts val="0"/>
+                </a:spcBef>
+                <a:spcAft>
+                  <a:spcPts val="0"/>
+                </a:spcAft>
+                <a:buClrTx/>
+                <a:buSzTx/>
+                <a:buFontTx/>
+                <a:buNone/>
+                <a:tabLst/>
+                <a:defRPr/>
+              </a:pPr>
               <a:r>
-                <a:rPr lang="en-US" sz="1000" dirty="0" smtClean="0"/>
-                <a:t>D8    </a:t>
+                <a:rPr kumimoji="0" lang="en-US" sz="800" b="0" i="0" u="none" strike="noStrike" kern="0" cap="none" spc="0" normalizeH="0" baseline="0" noProof="0" dirty="0" smtClean="0">
+                  <a:ln>
+                    <a:noFill/>
+                  </a:ln>
+                  <a:solidFill>
+                    <a:srgbClr val="262626"/>
+                  </a:solidFill>
+                  <a:effectLst/>
+                  <a:uLnTx/>
+                  <a:uFillTx/>
+                  <a:latin typeface="Ubuntu Condensed"/>
+                  <a:ea typeface="+mn-ea"/>
+                  <a:cs typeface="+mn-cs"/>
+                </a:rPr>
+                <a:t>D4       Patient</a:t>
               </a:r>
               <a:r>
-                <a:rPr lang="en-US" sz="1000" dirty="0"/>
-                <a:t>sync Backup</a:t>
+                <a:rPr kumimoji="0" lang="en-US" sz="800" b="0" i="0" u="none" strike="noStrike" kern="0" cap="none" spc="0" normalizeH="0" noProof="0" dirty="0" smtClean="0">
+                  <a:ln>
+                    <a:noFill/>
+                  </a:ln>
+                  <a:solidFill>
+                    <a:srgbClr val="262626"/>
+                  </a:solidFill>
+                  <a:effectLst/>
+                  <a:uLnTx/>
+                  <a:uFillTx/>
+                  <a:latin typeface="Ubuntu Condensed"/>
+                  <a:ea typeface="+mn-ea"/>
+                  <a:cs typeface="+mn-cs"/>
+                </a:rPr>
+                <a:t> </a:t>
               </a:r>
+              <a:r>
+                <a:rPr kumimoji="0" lang="en-US" sz="800" b="0" i="0" u="none" strike="noStrike" kern="0" cap="none" spc="0" normalizeH="0" noProof="0" dirty="0" err="1" smtClean="0">
+                  <a:ln>
+                    <a:noFill/>
+                  </a:ln>
+                  <a:solidFill>
+                    <a:srgbClr val="262626"/>
+                  </a:solidFill>
+                  <a:effectLst/>
+                  <a:uLnTx/>
+                  <a:uFillTx/>
+                  <a:latin typeface="Ubuntu Condensed"/>
+                  <a:ea typeface="+mn-ea"/>
+                  <a:cs typeface="+mn-cs"/>
+                </a:rPr>
+                <a:t>Db</a:t>
+              </a:r>
+              <a:endParaRPr kumimoji="0" lang="en-US" sz="800" b="0" i="0" u="none" strike="noStrike" kern="0" cap="none" spc="0" normalizeH="0" baseline="0" noProof="0" dirty="0">
+                <a:ln>
+                  <a:noFill/>
+                </a:ln>
+                <a:solidFill>
+                  <a:srgbClr val="262626"/>
+                </a:solidFill>
+                <a:effectLst/>
+                <a:uLnTx/>
+                <a:uFillTx/>
+                <a:latin typeface="Ubuntu Condensed"/>
+                <a:ea typeface="+mn-ea"/>
+                <a:cs typeface="+mn-cs"/>
+              </a:endParaRPr>
             </a:p>
           </p:txBody>
         </p:sp>
+        <p:cxnSp>
+          <p:nvCxnSpPr>
+            <p:cNvPr id="12" name="Straight Connector 11"/>
+            <p:cNvCxnSpPr/>
+            <p:nvPr/>
+          </p:nvCxnSpPr>
+          <p:spPr>
+            <a:xfrm rot="5400000">
+              <a:off x="465198" y="2475444"/>
+              <a:ext cx="228601" cy="1588"/>
+            </a:xfrm>
+            <a:prstGeom prst="line">
+              <a:avLst/>
+            </a:prstGeom>
+            <a:noFill/>
+            <a:ln w="9525" cap="flat" cmpd="sng" algn="ctr">
+              <a:solidFill>
+                <a:srgbClr val="373737">
+                  <a:shade val="95000"/>
+                  <a:satMod val="105000"/>
+                </a:srgbClr>
+              </a:solidFill>
+              <a:prstDash val="solid"/>
+            </a:ln>
+            <a:effectLst/>
+          </p:spPr>
+        </p:cxnSp>
       </p:grpSp>
       <p:cxnSp>
         <p:nvCxnSpPr>
-          <p:cNvPr id="6185" name="AutoShape 41"/>
+          <p:cNvPr id="14" name="Straight Arrow Connector 13"/>
           <p:cNvCxnSpPr>
-            <a:cxnSpLocks noChangeShapeType="1"/>
-            <a:endCxn id="6172" idx="7"/>
+            <a:stCxn id="4" idx="2"/>
+            <a:endCxn id="3" idx="6"/>
           </p:cNvCxnSpPr>
           <p:nvPr/>
         </p:nvCxnSpPr>
-        <p:spPr bwMode="auto">
-          <a:xfrm rot="5400000" flipH="1">
-            <a:off x="6153151" y="2263775"/>
-            <a:ext cx="715962" cy="1455737"/>
-          </a:xfrm>
-          <a:prstGeom prst="bentConnector3">
-            <a:avLst>
-              <a:gd name="adj1" fmla="val 149000"/>
-            </a:avLst>
-          </a:prstGeom>
-          <a:noFill/>
-          <a:ln w="9525">
-            <a:solidFill>
-              <a:schemeClr val="tx1"/>
-            </a:solidFill>
-            <a:miter lim="800000"/>
-            <a:headEnd type="triangle" w="med" len="med"/>
-            <a:tailEnd/>
+        <p:spPr>
+          <a:xfrm flipH="1">
+            <a:off x="2590800" y="4914900"/>
+            <a:ext cx="1143000" cy="0"/>
+          </a:xfrm>
+          <a:prstGeom prst="straightConnector1">
+            <a:avLst/>
+          </a:prstGeom>
+          <a:ln>
+            <a:tailEnd type="arrow"/>
           </a:ln>
-          <a:effectLst/>
-        </p:spPr>
+        </p:spPr>
+        <p:style>
+          <a:lnRef idx="1">
+            <a:schemeClr val="dk1"/>
+          </a:lnRef>
+          <a:fillRef idx="0">
+            <a:schemeClr val="dk1"/>
+          </a:fillRef>
+          <a:effectRef idx="0">
+            <a:schemeClr val="dk1"/>
+          </a:effectRef>
+          <a:fontRef idx="minor">
+            <a:schemeClr val="tx1"/>
+          </a:fontRef>
+        </p:style>
       </p:cxnSp>
       <p:cxnSp>
         <p:nvCxnSpPr>
-          <p:cNvPr id="6186" name="AutoShape 42"/>
+          <p:cNvPr id="15" name="Straight Arrow Connector 14"/>
           <p:cNvCxnSpPr>
-            <a:cxnSpLocks noChangeShapeType="1"/>
-            <a:endCxn id="6173" idx="5"/>
+            <a:endCxn id="4" idx="7"/>
           </p:cNvCxnSpPr>
           <p:nvPr/>
         </p:nvCxnSpPr>
-        <p:spPr bwMode="auto">
-          <a:xfrm rot="5400000">
-            <a:off x="6191250" y="3322638"/>
-            <a:ext cx="639763" cy="1455737"/>
-          </a:xfrm>
-          <a:prstGeom prst="bentConnector3">
-            <a:avLst>
-              <a:gd name="adj1" fmla="val 154838"/>
-            </a:avLst>
+        <p:spPr>
+          <a:xfrm flipH="1">
+            <a:off x="4579330" y="3349642"/>
+            <a:ext cx="487970" cy="1215028"/>
+          </a:xfrm>
+          <a:prstGeom prst="straightConnector1">
+            <a:avLst/>
+          </a:prstGeom>
+          <a:ln>
+            <a:tailEnd type="arrow"/>
+          </a:ln>
+        </p:spPr>
+        <p:style>
+          <a:lnRef idx="1">
+            <a:schemeClr val="dk1"/>
+          </a:lnRef>
+          <a:fillRef idx="0">
+            <a:schemeClr val="dk1"/>
+          </a:fillRef>
+          <a:effectRef idx="0">
+            <a:schemeClr val="dk1"/>
+          </a:effectRef>
+          <a:fontRef idx="minor">
+            <a:schemeClr val="tx1"/>
+          </a:fontRef>
+        </p:style>
+      </p:cxnSp>
+      <p:sp>
+        <p:nvSpPr>
+          <p:cNvPr id="16" name="TextBox 15"/>
+          <p:cNvSpPr txBox="1"/>
+          <p:nvPr/>
+        </p:nvSpPr>
+        <p:spPr>
+          <a:xfrm>
+            <a:off x="2819400" y="4661356"/>
+            <a:ext cx="708848" cy="215444"/>
+          </a:xfrm>
+          <a:prstGeom prst="rect">
+            <a:avLst/>
           </a:prstGeom>
           <a:noFill/>
-          <a:ln w="9525">
-            <a:solidFill>
-              <a:schemeClr val="tx1"/>
-            </a:solidFill>
-            <a:miter lim="800000"/>
-            <a:headEnd type="triangle" w="med" len="med"/>
-            <a:tailEnd/>
+        </p:spPr>
+        <p:txBody>
+          <a:bodyPr wrap="none" rtlCol="0">
+            <a:spAutoFit/>
+          </a:bodyPr>
+          <a:lstStyle/>
+          <a:p>
+            <a:pPr lvl="0"/>
+            <a:r>
+              <a:rPr lang="en-US" sz="800" kern="0" dirty="0" smtClean="0">
+                <a:solidFill>
+                  <a:srgbClr val="262626"/>
+                </a:solidFill>
+              </a:rPr>
+              <a:t>Login details</a:t>
+            </a:r>
+            <a:endParaRPr lang="en-US" sz="800" kern="0" dirty="0">
+              <a:solidFill>
+                <a:srgbClr val="262626"/>
+              </a:solidFill>
+            </a:endParaRPr>
+          </a:p>
+        </p:txBody>
+      </p:sp>
+      <p:sp>
+        <p:nvSpPr>
+          <p:cNvPr id="17" name="TextBox 16"/>
+          <p:cNvSpPr txBox="1"/>
+          <p:nvPr/>
+        </p:nvSpPr>
+        <p:spPr>
+          <a:xfrm rot="17597323">
+            <a:off x="4112225" y="3767789"/>
+            <a:ext cx="1091966" cy="215444"/>
+          </a:xfrm>
+          <a:prstGeom prst="rect">
+            <a:avLst/>
+          </a:prstGeom>
+          <a:noFill/>
+        </p:spPr>
+        <p:txBody>
+          <a:bodyPr wrap="none" rtlCol="0">
+            <a:spAutoFit/>
+          </a:bodyPr>
+          <a:lstStyle/>
+          <a:p>
+            <a:pPr lvl="0"/>
+            <a:r>
+              <a:rPr lang="en-US" sz="800" kern="0" dirty="0" smtClean="0">
+                <a:solidFill>
+                  <a:srgbClr val="262626"/>
+                </a:solidFill>
+              </a:rPr>
+              <a:t>Authenticate</a:t>
+            </a:r>
+            <a:r>
+              <a:rPr lang="en-US" sz="800" kern="0" dirty="0" smtClean="0">
+                <a:solidFill>
+                  <a:srgbClr val="262626"/>
+                </a:solidFill>
+              </a:rPr>
+              <a:t> </a:t>
+            </a:r>
+            <a:r>
+              <a:rPr lang="en-US" sz="800" kern="0" dirty="0" smtClean="0">
+                <a:solidFill>
+                  <a:srgbClr val="262626"/>
+                </a:solidFill>
+              </a:rPr>
+              <a:t>Request</a:t>
+            </a:r>
+            <a:endParaRPr lang="en-US" sz="800" kern="0" dirty="0">
+              <a:solidFill>
+                <a:srgbClr val="262626"/>
+              </a:solidFill>
+            </a:endParaRPr>
+          </a:p>
+        </p:txBody>
+      </p:sp>
+      <p:cxnSp>
+        <p:nvCxnSpPr>
+          <p:cNvPr id="19" name="Straight Arrow Connector 18"/>
+          <p:cNvCxnSpPr>
+            <a:stCxn id="3" idx="1"/>
+          </p:cNvCxnSpPr>
+          <p:nvPr/>
+        </p:nvCxnSpPr>
+        <p:spPr>
+          <a:xfrm rot="16200000" flipV="1">
+            <a:off x="1415279" y="4299719"/>
+            <a:ext cx="373673" cy="156229"/>
+          </a:xfrm>
+          <a:prstGeom prst="straightConnector1">
+            <a:avLst/>
+          </a:prstGeom>
+          <a:ln>
+            <a:tailEnd type="arrow"/>
           </a:ln>
-          <a:effectLst/>
-        </p:spPr>
+        </p:spPr>
+        <p:style>
+          <a:lnRef idx="1">
+            <a:schemeClr val="dk1"/>
+          </a:lnRef>
+          <a:fillRef idx="0">
+            <a:schemeClr val="dk1"/>
+          </a:fillRef>
+          <a:effectRef idx="0">
+            <a:schemeClr val="dk1"/>
+          </a:effectRef>
+          <a:fontRef idx="minor">
+            <a:schemeClr val="tx1"/>
+          </a:fontRef>
+        </p:style>
       </p:cxnSp>
       <p:grpSp>
         <p:nvGrpSpPr>
-          <p:cNvPr id="6" name="Group 43"/>
-          <p:cNvGrpSpPr>
-            <a:grpSpLocks/>
-          </p:cNvGrpSpPr>
+          <p:cNvPr id="20" name="Group 15"/>
+          <p:cNvGrpSpPr/>
           <p:nvPr/>
         </p:nvGrpSpPr>
-        <p:grpSpPr bwMode="auto">
+        <p:grpSpPr>
           <a:xfrm>
-            <a:off x="1333500" y="3349625"/>
-            <a:ext cx="1295400" cy="381000"/>
-            <a:chOff x="336" y="384"/>
-            <a:chExt cx="816" cy="240"/>
+            <a:off x="838200" y="3962400"/>
+            <a:ext cx="1905000" cy="228600"/>
+            <a:chOff x="275492" y="2361935"/>
+            <a:chExt cx="1371600" cy="228603"/>
           </a:xfrm>
         </p:grpSpPr>
-        <p:grpSp>
-          <p:nvGrpSpPr>
-            <p:cNvPr id="7" name="Group 44"/>
-            <p:cNvGrpSpPr>
-              <a:grpSpLocks/>
-            </p:cNvGrpSpPr>
-            <p:nvPr/>
-          </p:nvGrpSpPr>
-          <p:grpSpPr bwMode="auto">
-            <a:xfrm>
-              <a:off x="336" y="384"/>
-              <a:ext cx="816" cy="240"/>
-              <a:chOff x="336" y="384"/>
-              <a:chExt cx="816" cy="240"/>
-            </a:xfrm>
-          </p:grpSpPr>
-          <p:sp>
-            <p:nvSpPr>
-              <p:cNvPr id="6189" name="Rectangle 45"/>
-              <p:cNvSpPr>
-                <a:spLocks noChangeArrowheads="1"/>
-              </p:cNvSpPr>
-              <p:nvPr/>
-            </p:nvSpPr>
-            <p:spPr bwMode="auto">
-              <a:xfrm>
-                <a:off x="336" y="384"/>
-                <a:ext cx="816" cy="240"/>
-              </a:xfrm>
-              <a:prstGeom prst="rect">
-                <a:avLst/>
-              </a:prstGeom>
-              <a:noFill/>
-              <a:ln w="9525">
-                <a:solidFill>
-                  <a:schemeClr val="tx1"/>
-                </a:solidFill>
-                <a:miter lim="800000"/>
-                <a:headEnd/>
-                <a:tailEnd/>
-              </a:ln>
-              <a:effectLst/>
-            </p:spPr>
-            <p:txBody>
-              <a:bodyPr wrap="none" anchor="ctr"/>
-              <a:lstStyle/>
-              <a:p>
-                <a:endParaRPr lang="en-US"/>
-              </a:p>
-            </p:txBody>
-          </p:sp>
-          <p:sp>
-            <p:nvSpPr>
-              <p:cNvPr id="6190" name="Line 46"/>
-              <p:cNvSpPr>
-                <a:spLocks noChangeShapeType="1"/>
-              </p:cNvSpPr>
-              <p:nvPr/>
-            </p:nvSpPr>
-            <p:spPr bwMode="auto">
-              <a:xfrm>
-                <a:off x="528" y="384"/>
-                <a:ext cx="0" cy="240"/>
-              </a:xfrm>
-              <a:prstGeom prst="line">
-                <a:avLst/>
-              </a:prstGeom>
-              <a:noFill/>
-              <a:ln w="9525">
-                <a:solidFill>
-                  <a:schemeClr val="tx1"/>
-                </a:solidFill>
-                <a:round/>
-                <a:headEnd/>
-                <a:tailEnd/>
-              </a:ln>
-              <a:effectLst/>
-            </p:spPr>
-            <p:txBody>
-              <a:bodyPr/>
-              <a:lstStyle/>
-              <a:p>
-                <a:endParaRPr lang="en-US"/>
-              </a:p>
-            </p:txBody>
-          </p:sp>
-        </p:grpSp>
         <p:sp>
           <p:nvSpPr>
-            <p:cNvPr id="6191" name="Text Box 47"/>
-            <p:cNvSpPr txBox="1">
-              <a:spLocks noChangeArrowheads="1"/>
-            </p:cNvSpPr>
+            <p:cNvPr id="21" name="Rectangle 20"/>
+            <p:cNvSpPr/>
             <p:nvPr/>
           </p:nvSpPr>
-          <p:spPr bwMode="auto">
+          <p:spPr>
             <a:xfrm>
-              <a:off x="336" y="422"/>
-              <a:ext cx="659" cy="155"/>
+              <a:off x="275492" y="2361935"/>
+              <a:ext cx="1371600" cy="228600"/>
             </a:xfrm>
             <a:prstGeom prst="rect">
               <a:avLst/>
             </a:prstGeom>
-            <a:noFill/>
-            <a:ln w="9525">
-              <a:noFill/>
-              <a:miter lim="800000"/>
-              <a:headEnd/>
-              <a:tailEnd/>
+            <a:solidFill>
+              <a:sysClr val="window" lastClr="FFFFFF"/>
+            </a:solidFill>
+            <a:ln w="6350" cap="flat" cmpd="sng" algn="ctr">
+              <a:solidFill>
+                <a:srgbClr val="4D4D4D"/>
+              </a:solidFill>
+              <a:prstDash val="solid"/>
             </a:ln>
             <a:effectLst/>
           </p:spPr>
           <p:txBody>
-            <a:bodyPr wrap="none">
-              <a:spAutoFit/>
-            </a:bodyPr>
+            <a:bodyPr rtlCol="0" anchor="ctr"/>
             <a:lstStyle/>
             <a:p>
+              <a:pPr marL="0" marR="0" lvl="0" indent="0" defTabSz="914400" eaLnBrk="1" fontAlgn="auto" latinLnBrk="0" hangingPunct="1">
+                <a:lnSpc>
+                  <a:spcPct val="100000"/>
+                </a:lnSpc>
+                <a:spcBef>
+                  <a:spcPts val="0"/>
+                </a:spcBef>
+                <a:spcAft>
+                  <a:spcPts val="0"/>
+                </a:spcAft>
+                <a:buClrTx/>
+                <a:buSzTx/>
+                <a:buFontTx/>
+                <a:buNone/>
+                <a:tabLst/>
+                <a:defRPr/>
+              </a:pPr>
               <a:r>
-                <a:rPr lang="en-US" sz="1000" dirty="0" smtClean="0"/>
-                <a:t>D7    </a:t>
+                <a:rPr kumimoji="0" lang="en-US" sz="800" b="0" i="0" u="none" strike="noStrike" kern="0" cap="none" spc="0" normalizeH="0" baseline="0" noProof="0" dirty="0" smtClean="0">
+                  <a:ln>
+                    <a:noFill/>
+                  </a:ln>
+                  <a:solidFill>
+                    <a:srgbClr val="262626"/>
+                  </a:solidFill>
+                  <a:effectLst/>
+                  <a:uLnTx/>
+                  <a:uFillTx/>
+                  <a:latin typeface="Ubuntu Condensed"/>
+                  <a:ea typeface="+mn-ea"/>
+                  <a:cs typeface="+mn-cs"/>
+                </a:rPr>
+                <a:t>D5        Access Logger</a:t>
               </a:r>
-              <a:r>
-                <a:rPr lang="en-US" sz="1000" dirty="0"/>
-                <a:t>sync details</a:t>
-              </a:r>
+              <a:endParaRPr kumimoji="0" lang="en-US" sz="800" b="0" i="0" u="none" strike="noStrike" kern="0" cap="none" spc="0" normalizeH="0" baseline="0" noProof="0" dirty="0">
+                <a:ln>
+                  <a:noFill/>
+                </a:ln>
+                <a:solidFill>
+                  <a:srgbClr val="262626"/>
+                </a:solidFill>
+                <a:effectLst/>
+                <a:uLnTx/>
+                <a:uFillTx/>
+                <a:latin typeface="Ubuntu Condensed"/>
+                <a:ea typeface="+mn-ea"/>
+                <a:cs typeface="+mn-cs"/>
+              </a:endParaRPr>
             </a:p>
           </p:txBody>
         </p:sp>
+        <p:cxnSp>
+          <p:nvCxnSpPr>
+            <p:cNvPr id="22" name="Straight Connector 21"/>
+            <p:cNvCxnSpPr/>
+            <p:nvPr/>
+          </p:nvCxnSpPr>
+          <p:spPr>
+            <a:xfrm rot="5400000">
+              <a:off x="465198" y="2475444"/>
+              <a:ext cx="228601" cy="1588"/>
+            </a:xfrm>
+            <a:prstGeom prst="line">
+              <a:avLst/>
+            </a:prstGeom>
+            <a:noFill/>
+            <a:ln w="9525" cap="flat" cmpd="sng" algn="ctr">
+              <a:solidFill>
+                <a:srgbClr val="373737">
+                  <a:shade val="95000"/>
+                  <a:satMod val="105000"/>
+                </a:srgbClr>
+              </a:solidFill>
+              <a:prstDash val="solid"/>
+            </a:ln>
+            <a:effectLst/>
+          </p:spPr>
+        </p:cxnSp>
       </p:grpSp>
       <p:cxnSp>
         <p:nvCxnSpPr>
-          <p:cNvPr id="6192" name="AutoShape 48"/>
-          <p:cNvCxnSpPr>
-            <a:cxnSpLocks noChangeShapeType="1"/>
-            <a:stCxn id="6174" idx="1"/>
-          </p:cNvCxnSpPr>
+          <p:cNvPr id="26" name="Straight Arrow Connector 25"/>
+          <p:cNvCxnSpPr/>
           <p:nvPr/>
         </p:nvCxnSpPr>
-        <p:spPr bwMode="auto">
-          <a:xfrm rot="16200000" flipH="1" flipV="1">
-            <a:off x="2477294" y="2551906"/>
-            <a:ext cx="301625" cy="1293813"/>
-          </a:xfrm>
-          <a:prstGeom prst="bentConnector3">
-            <a:avLst>
-              <a:gd name="adj1" fmla="val -127370"/>
-            </a:avLst>
+        <p:spPr>
+          <a:xfrm rot="10800000" flipV="1">
+            <a:off x="3352799" y="5372099"/>
+            <a:ext cx="609600" cy="876300"/>
+          </a:xfrm>
+          <a:prstGeom prst="straightConnector1">
+            <a:avLst/>
+          </a:prstGeom>
+          <a:ln>
+            <a:tailEnd type="arrow"/>
+          </a:ln>
+        </p:spPr>
+        <p:style>
+          <a:lnRef idx="1">
+            <a:schemeClr val="dk1"/>
+          </a:lnRef>
+          <a:fillRef idx="0">
+            <a:schemeClr val="dk1"/>
+          </a:fillRef>
+          <a:effectRef idx="0">
+            <a:schemeClr val="dk1"/>
+          </a:effectRef>
+          <a:fontRef idx="minor">
+            <a:schemeClr val="tx1"/>
+          </a:fontRef>
+        </p:style>
+      </p:cxnSp>
+      <p:sp>
+        <p:nvSpPr>
+          <p:cNvPr id="27" name="TextBox 26"/>
+          <p:cNvSpPr txBox="1"/>
+          <p:nvPr/>
+        </p:nvSpPr>
+        <p:spPr>
+          <a:xfrm rot="18268963">
+            <a:off x="3100369" y="5568410"/>
+            <a:ext cx="1023037" cy="215444"/>
+          </a:xfrm>
+          <a:prstGeom prst="rect">
+            <a:avLst/>
           </a:prstGeom>
           <a:noFill/>
-          <a:ln w="9525">
-            <a:solidFill>
-              <a:schemeClr val="tx1"/>
-            </a:solidFill>
-            <a:miter lim="800000"/>
-            <a:headEnd type="triangle" w="med" len="med"/>
-            <a:tailEnd/>
-          </a:ln>
-          <a:effectLst/>
-        </p:spPr>
-      </p:cxnSp>
-      <p:cxnSp>
-        <p:nvCxnSpPr>
-          <p:cNvPr id="6193" name="AutoShape 49"/>
-          <p:cNvCxnSpPr>
-            <a:cxnSpLocks noChangeShapeType="1"/>
-            <a:stCxn id="6174" idx="3"/>
-          </p:cNvCxnSpPr>
-          <p:nvPr/>
-        </p:nvCxnSpPr>
-        <p:spPr bwMode="auto">
-          <a:xfrm rot="5400000" flipH="1">
-            <a:off x="2169686" y="2696876"/>
-            <a:ext cx="269935" cy="1942307"/>
-          </a:xfrm>
-          <a:prstGeom prst="bentConnector4">
-            <a:avLst>
-              <a:gd name="adj1" fmla="val -142564"/>
-              <a:gd name="adj2" fmla="val 111770"/>
-            </a:avLst>
-          </a:prstGeom>
-          <a:noFill/>
-          <a:ln w="9525">
-            <a:solidFill>
-              <a:schemeClr val="tx1"/>
-            </a:solidFill>
-            <a:miter lim="800000"/>
-            <a:headEnd type="triangle" w="med" len="med"/>
-            <a:tailEnd/>
-          </a:ln>
-          <a:effectLst/>
-        </p:spPr>
-      </p:cxnSp>
-      <p:cxnSp>
-        <p:nvCxnSpPr>
-          <p:cNvPr id="6194" name="AutoShape 50"/>
-          <p:cNvCxnSpPr>
-            <a:cxnSpLocks noChangeShapeType="1"/>
-            <a:stCxn id="6172" idx="2"/>
-            <a:endCxn id="6174" idx="7"/>
-          </p:cNvCxnSpPr>
-          <p:nvPr/>
-        </p:nvCxnSpPr>
-        <p:spPr bwMode="auto">
-          <a:xfrm rot="10800000" flipV="1">
-            <a:off x="4192588" y="2930525"/>
-            <a:ext cx="874712" cy="117475"/>
-          </a:xfrm>
-          <a:prstGeom prst="bentConnector4">
-            <a:avLst>
-              <a:gd name="adj1" fmla="val 39204"/>
-              <a:gd name="adj2" fmla="val -227028"/>
-            </a:avLst>
-          </a:prstGeom>
-          <a:noFill/>
-          <a:ln w="9525">
-            <a:solidFill>
-              <a:schemeClr val="tx1"/>
-            </a:solidFill>
-            <a:miter lim="800000"/>
-            <a:headEnd type="triangle" w="med" len="med"/>
-            <a:tailEnd/>
-          </a:ln>
-          <a:effectLst/>
-        </p:spPr>
-      </p:cxnSp>
-      <p:cxnSp>
-        <p:nvCxnSpPr>
-          <p:cNvPr id="6195" name="AutoShape 51"/>
-          <p:cNvCxnSpPr>
-            <a:cxnSpLocks noChangeShapeType="1"/>
-            <a:stCxn id="6173" idx="2"/>
-            <a:endCxn id="6174" idx="4"/>
-          </p:cNvCxnSpPr>
-          <p:nvPr/>
-        </p:nvCxnSpPr>
-        <p:spPr bwMode="auto">
-          <a:xfrm rot="10800000">
-            <a:off x="3733800" y="3959225"/>
-            <a:ext cx="1333500" cy="114300"/>
-          </a:xfrm>
-          <a:prstGeom prst="bentConnector2">
-            <a:avLst/>
-          </a:prstGeom>
-          <a:noFill/>
-          <a:ln w="9525">
-            <a:solidFill>
-              <a:schemeClr val="tx1"/>
-            </a:solidFill>
-            <a:miter lim="800000"/>
-            <a:headEnd type="triangle" w="med" len="med"/>
-            <a:tailEnd/>
-          </a:ln>
-          <a:effectLst/>
-        </p:spPr>
-      </p:cxnSp>
-      <p:sp>
-        <p:nvSpPr>
-          <p:cNvPr id="6201" name="Text Box 57"/>
-          <p:cNvSpPr txBox="1">
-            <a:spLocks noChangeArrowheads="1"/>
-          </p:cNvSpPr>
-          <p:nvPr/>
-        </p:nvSpPr>
-        <p:spPr bwMode="auto">
-          <a:xfrm>
-            <a:off x="2078038" y="2419350"/>
-            <a:ext cx="703262" cy="244475"/>
-          </a:xfrm>
-          <a:prstGeom prst="rect">
-            <a:avLst/>
-          </a:prstGeom>
-          <a:noFill/>
-          <a:ln w="9525">
-            <a:noFill/>
-            <a:miter lim="800000"/>
-            <a:headEnd/>
-            <a:tailEnd/>
-          </a:ln>
-          <a:effectLst/>
-        </p:spPr>
-        <p:txBody>
-          <a:bodyPr wrap="none">
+        </p:spPr>
+        <p:txBody>
+          <a:bodyPr wrap="none" rtlCol="0">
             <a:spAutoFit/>
           </a:bodyPr>
           <a:lstStyle/>
           <a:p>
-            <a:r>
-              <a:rPr lang="en-US" sz="1000"/>
-              <a:t>Sync info</a:t>
-            </a:r>
-          </a:p>
-        </p:txBody>
-      </p:sp>
-      <p:sp>
-        <p:nvSpPr>
-          <p:cNvPr id="6202" name="Text Box 58"/>
-          <p:cNvSpPr txBox="1">
-            <a:spLocks noChangeArrowheads="1"/>
-          </p:cNvSpPr>
-          <p:nvPr/>
-        </p:nvSpPr>
-        <p:spPr bwMode="auto">
-          <a:xfrm>
-            <a:off x="2230438" y="3943350"/>
-            <a:ext cx="703262" cy="244475"/>
-          </a:xfrm>
-          <a:prstGeom prst="rect">
-            <a:avLst/>
-          </a:prstGeom>
-          <a:noFill/>
-          <a:ln w="9525">
-            <a:noFill/>
-            <a:miter lim="800000"/>
-            <a:headEnd/>
-            <a:tailEnd/>
-          </a:ln>
-          <a:effectLst/>
-        </p:spPr>
-        <p:txBody>
-          <a:bodyPr wrap="none">
-            <a:spAutoFit/>
-          </a:bodyPr>
-          <a:lstStyle/>
-          <a:p>
-            <a:r>
-              <a:rPr lang="en-US" sz="1000"/>
-              <a:t>Sync info</a:t>
-            </a:r>
-          </a:p>
-        </p:txBody>
-      </p:sp>
-      <p:sp>
-        <p:nvSpPr>
-          <p:cNvPr id="6203" name="Text Box 59"/>
-          <p:cNvSpPr txBox="1">
-            <a:spLocks noChangeArrowheads="1"/>
-          </p:cNvSpPr>
-          <p:nvPr/>
-        </p:nvSpPr>
-        <p:spPr bwMode="auto">
-          <a:xfrm>
-            <a:off x="3830638" y="4095750"/>
-            <a:ext cx="652462" cy="244475"/>
-          </a:xfrm>
-          <a:prstGeom prst="rect">
-            <a:avLst/>
-          </a:prstGeom>
-          <a:noFill/>
-          <a:ln w="9525">
-            <a:noFill/>
-            <a:miter lim="800000"/>
-            <a:headEnd/>
-            <a:tailEnd/>
-          </a:ln>
-          <a:effectLst/>
-        </p:spPr>
-        <p:txBody>
-          <a:bodyPr wrap="none">
-            <a:spAutoFit/>
-          </a:bodyPr>
-          <a:lstStyle/>
-          <a:p>
-            <a:r>
-              <a:rPr lang="en-US" sz="1000"/>
-              <a:t>Add Info</a:t>
-            </a:r>
-          </a:p>
-        </p:txBody>
-      </p:sp>
-      <p:sp>
-        <p:nvSpPr>
-          <p:cNvPr id="6204" name="Text Box 60"/>
-          <p:cNvSpPr txBox="1">
-            <a:spLocks noChangeArrowheads="1"/>
-          </p:cNvSpPr>
-          <p:nvPr/>
-        </p:nvSpPr>
-        <p:spPr bwMode="auto">
-          <a:xfrm>
-            <a:off x="4084638" y="2435225"/>
-            <a:ext cx="830262" cy="244475"/>
-          </a:xfrm>
-          <a:prstGeom prst="rect">
-            <a:avLst/>
-          </a:prstGeom>
-          <a:noFill/>
-          <a:ln w="9525">
-            <a:noFill/>
-            <a:miter lim="800000"/>
-            <a:headEnd/>
-            <a:tailEnd/>
-          </a:ln>
-          <a:effectLst/>
-        </p:spPr>
-        <p:txBody>
-          <a:bodyPr wrap="none">
-            <a:spAutoFit/>
-          </a:bodyPr>
-          <a:lstStyle/>
-          <a:p>
-            <a:r>
-              <a:rPr lang="en-US" sz="1000"/>
-              <a:t>Add Details</a:t>
-            </a:r>
-          </a:p>
-        </p:txBody>
-      </p:sp>
-      <p:sp>
-        <p:nvSpPr>
-          <p:cNvPr id="6205" name="Text Box 61"/>
-          <p:cNvSpPr txBox="1">
-            <a:spLocks noChangeArrowheads="1"/>
-          </p:cNvSpPr>
-          <p:nvPr/>
-        </p:nvSpPr>
-        <p:spPr bwMode="auto">
-          <a:xfrm>
-            <a:off x="6446838" y="2054225"/>
-            <a:ext cx="849312" cy="244475"/>
-          </a:xfrm>
-          <a:prstGeom prst="rect">
-            <a:avLst/>
-          </a:prstGeom>
-          <a:noFill/>
-          <a:ln w="9525">
-            <a:noFill/>
-            <a:miter lim="800000"/>
-            <a:headEnd/>
-            <a:tailEnd/>
-          </a:ln>
-          <a:effectLst/>
-        </p:spPr>
-        <p:txBody>
-          <a:bodyPr wrap="none">
-            <a:spAutoFit/>
-          </a:bodyPr>
-          <a:lstStyle/>
-          <a:p>
-            <a:r>
-              <a:rPr lang="en-US" sz="1000"/>
-              <a:t>Backup Info</a:t>
-            </a:r>
-          </a:p>
-        </p:txBody>
-      </p:sp>
-      <p:sp>
-        <p:nvSpPr>
-          <p:cNvPr id="6206" name="Text Box 62"/>
-          <p:cNvSpPr txBox="1">
-            <a:spLocks noChangeArrowheads="1"/>
-          </p:cNvSpPr>
-          <p:nvPr/>
-        </p:nvSpPr>
-        <p:spPr bwMode="auto">
-          <a:xfrm>
-            <a:off x="7543800" y="6156325"/>
-            <a:ext cx="849313" cy="244475"/>
-          </a:xfrm>
-          <a:prstGeom prst="rect">
-            <a:avLst/>
-          </a:prstGeom>
-          <a:noFill/>
-          <a:ln w="9525">
-            <a:noFill/>
-            <a:miter lim="800000"/>
-            <a:headEnd/>
-            <a:tailEnd/>
-          </a:ln>
-          <a:effectLst/>
-        </p:spPr>
-        <p:txBody>
-          <a:bodyPr wrap="none">
-            <a:spAutoFit/>
-          </a:bodyPr>
-          <a:lstStyle/>
-          <a:p>
-            <a:r>
-              <a:rPr lang="en-US" sz="1000"/>
-              <a:t>Backup Info</a:t>
-            </a:r>
-          </a:p>
-        </p:txBody>
-      </p:sp>
-      <p:sp>
-        <p:nvSpPr>
-          <p:cNvPr id="27" name="TextBox 26"/>
-          <p:cNvSpPr txBox="1"/>
-          <p:nvPr/>
-        </p:nvSpPr>
-        <p:spPr>
-          <a:xfrm>
-            <a:off x="3505200" y="2819400"/>
-            <a:ext cx="609600" cy="369332"/>
-          </a:xfrm>
-          <a:prstGeom prst="rect">
-            <a:avLst/>
-          </a:prstGeom>
-          <a:noFill/>
-        </p:spPr>
-        <p:txBody>
-          <a:bodyPr wrap="square" rtlCol="0">
-            <a:spAutoFit/>
-          </a:bodyPr>
-          <a:lstStyle/>
-          <a:p>
-            <a:r>
-              <a:rPr lang="en-US" dirty="0" smtClean="0"/>
-              <a:t>1.1</a:t>
-            </a:r>
-            <a:endParaRPr lang="en-US" dirty="0"/>
+            <a:pPr lvl="0"/>
+            <a:r>
+              <a:rPr lang="en-US" sz="800" kern="0" dirty="0" smtClean="0">
+                <a:solidFill>
+                  <a:srgbClr val="262626"/>
+                </a:solidFill>
+              </a:rPr>
+              <a:t>Accessible Features</a:t>
+            </a:r>
+            <a:endParaRPr lang="en-US" sz="800" kern="0" dirty="0">
+              <a:solidFill>
+                <a:srgbClr val="262626"/>
+              </a:solidFill>
+            </a:endParaRPr>
           </a:p>
         </p:txBody>
       </p:sp>
     </p:spTree>
+    <p:extLst>
+      <p:ext uri="{BB962C8B-B14F-4D97-AF65-F5344CB8AC3E}">
+        <p14:creationId xmlns:p14="http://schemas.microsoft.com/office/powerpoint/2010/main" val="3088154541"/>
+      </p:ext>
+    </p:extLst>
   </p:cSld>
   <p:clrMapOvr>
     <a:masterClrMapping/>
